--- a/Predictive_Modeling/PPT/Seminar 14 - Topic Modeling.pptx
+++ b/Predictive_Modeling/PPT/Seminar 14 - Topic Modeling.pptx
@@ -2,7 +2,7 @@
 <file path=ppt/presentation.xml><?xml version="1.0" encoding="utf-8"?>
 <p:presentation xmlns:a="http://schemas.openxmlformats.org/drawingml/2006/main" xmlns:r="http://schemas.openxmlformats.org/officeDocument/2006/relationships" xmlns:p="http://schemas.openxmlformats.org/presentationml/2006/main" showSpecialPlsOnTitleSld="0" saveSubsetFonts="1" bookmarkIdSeed="2">
   <p:sldMasterIdLst>
-    <p:sldMasterId id="2147483661" r:id="rId1"/>
+    <p:sldMasterId id="2147483674" r:id="rId1"/>
   </p:sldMasterIdLst>
   <p:notesMasterIdLst>
     <p:notesMasterId r:id="rId21"/>
@@ -221,7 +221,7 @@
           <a:p>
             <a:fld id="{12E2E0BF-1E19-48CE-A5B4-11AA1325EE0B}" type="datetimeFigureOut">
               <a:rPr lang="en-US" smtClean="0"/>
-              <a:t>8/4/2018</a:t>
+              <a:t>8/11/2018</a:t>
             </a:fld>
             <a:endParaRPr lang="en-US" dirty="0"/>
           </a:p>
@@ -386,7 +386,7 @@
           <a:p>
             <a:fld id="{B3E6BC81-1184-4954-A4F1-6E56C89D84BE}" type="datetimeFigureOut">
               <a:rPr lang="en-US" smtClean="0"/>
-              <a:t>8/4/2018</a:t>
+              <a:t>8/11/2018</a:t>
             </a:fld>
             <a:endParaRPr lang="en-US" dirty="0"/>
           </a:p>
@@ -786,7 +786,7 @@
         </p:nvSpPr>
         <p:spPr>
           <a:xfrm>
-            <a:off x="152400" y="6443433"/>
+            <a:off x="152400" y="6485768"/>
             <a:ext cx="2743200" cy="365125"/>
           </a:xfrm>
         </p:spPr>
@@ -814,7 +814,7 @@
         </p:nvSpPr>
         <p:spPr>
           <a:xfrm>
-            <a:off x="4038600" y="6443434"/>
+            <a:off x="4038600" y="6485769"/>
             <a:ext cx="4114800" cy="365125"/>
           </a:xfrm>
         </p:spPr>
@@ -842,7 +842,7 @@
         </p:nvSpPr>
         <p:spPr>
           <a:xfrm>
-            <a:off x="9361714" y="6443432"/>
+            <a:off x="9361714" y="6485767"/>
             <a:ext cx="2743200" cy="365125"/>
           </a:xfrm>
         </p:spPr>
@@ -861,7 +861,7 @@
     </p:spTree>
     <p:extLst>
       <p:ext uri="{BB962C8B-B14F-4D97-AF65-F5344CB8AC3E}">
-        <p14:creationId xmlns:p14="http://schemas.microsoft.com/office/powerpoint/2010/main" val="4131177693"/>
+        <p14:creationId xmlns:p14="http://schemas.microsoft.com/office/powerpoint/2010/main" val="760990853"/>
       </p:ext>
     </p:extLst>
   </p:cSld>
@@ -1122,7 +1122,7 @@
     </p:spTree>
     <p:extLst>
       <p:ext uri="{BB962C8B-B14F-4D97-AF65-F5344CB8AC3E}">
-        <p14:creationId xmlns:p14="http://schemas.microsoft.com/office/powerpoint/2010/main" val="2396853662"/>
+        <p14:creationId xmlns:p14="http://schemas.microsoft.com/office/powerpoint/2010/main" val="108051748"/>
       </p:ext>
     </p:extLst>
   </p:cSld>
@@ -1300,7 +1300,7 @@
     </p:spTree>
     <p:extLst>
       <p:ext uri="{BB962C8B-B14F-4D97-AF65-F5344CB8AC3E}">
-        <p14:creationId xmlns:p14="http://schemas.microsoft.com/office/powerpoint/2010/main" val="4113318777"/>
+        <p14:creationId xmlns:p14="http://schemas.microsoft.com/office/powerpoint/2010/main" val="1264304693"/>
       </p:ext>
     </p:extLst>
   </p:cSld>
@@ -1482,7 +1482,7 @@
     </p:spTree>
     <p:extLst>
       <p:ext uri="{BB962C8B-B14F-4D97-AF65-F5344CB8AC3E}">
-        <p14:creationId xmlns:p14="http://schemas.microsoft.com/office/powerpoint/2010/main" val="2106718645"/>
+        <p14:creationId xmlns:p14="http://schemas.microsoft.com/office/powerpoint/2010/main" val="1443930723"/>
       </p:ext>
     </p:extLst>
   </p:cSld>
@@ -1732,7 +1732,7 @@
     </p:spTree>
     <p:extLst>
       <p:ext uri="{BB962C8B-B14F-4D97-AF65-F5344CB8AC3E}">
-        <p14:creationId xmlns:p14="http://schemas.microsoft.com/office/powerpoint/2010/main" val="841845874"/>
+        <p14:creationId xmlns:p14="http://schemas.microsoft.com/office/powerpoint/2010/main" val="3641224385"/>
       </p:ext>
     </p:extLst>
   </p:cSld>
@@ -1937,7 +1937,7 @@
     </p:spTree>
     <p:extLst>
       <p:ext uri="{BB962C8B-B14F-4D97-AF65-F5344CB8AC3E}">
-        <p14:creationId xmlns:p14="http://schemas.microsoft.com/office/powerpoint/2010/main" val="1297686926"/>
+        <p14:creationId xmlns:p14="http://schemas.microsoft.com/office/powerpoint/2010/main" val="3042929344"/>
       </p:ext>
     </p:extLst>
   </p:cSld>
@@ -2192,7 +2192,7 @@
     </p:spTree>
     <p:extLst>
       <p:ext uri="{BB962C8B-B14F-4D97-AF65-F5344CB8AC3E}">
-        <p14:creationId xmlns:p14="http://schemas.microsoft.com/office/powerpoint/2010/main" val="3543363472"/>
+        <p14:creationId xmlns:p14="http://schemas.microsoft.com/office/powerpoint/2010/main" val="2656928624"/>
       </p:ext>
     </p:extLst>
   </p:cSld>
@@ -2238,6 +2238,7 @@
               <a:rPr lang="en-US"/>
               <a:t>Click to edit Master title style</a:t>
             </a:r>
+            <a:endParaRPr lang="en-US" dirty="0"/>
           </a:p>
         </p:txBody>
       </p:sp>
@@ -2253,8 +2254,8 @@
         </p:nvSpPr>
         <p:spPr>
           <a:xfrm>
-            <a:off x="838200" y="1825625"/>
-            <a:ext cx="5181600" cy="4351338"/>
+            <a:off x="406400" y="1354666"/>
+            <a:ext cx="5613400" cy="5046134"/>
           </a:xfrm>
         </p:spPr>
         <p:txBody>
@@ -2361,8 +2362,8 @@
         </p:nvSpPr>
         <p:spPr>
           <a:xfrm>
-            <a:off x="6172200" y="1825625"/>
-            <a:ext cx="5181600" cy="4351338"/>
+            <a:off x="6172199" y="1354666"/>
+            <a:ext cx="5469467" cy="5046134"/>
           </a:xfrm>
         </p:spPr>
         <p:txBody>
@@ -2402,6 +2403,7 @@
               <a:rPr lang="en-US"/>
               <a:t>Fifth level</a:t>
             </a:r>
+            <a:endParaRPr lang="en-US" dirty="0"/>
           </a:p>
         </p:txBody>
       </p:sp>
@@ -2478,7 +2480,7 @@
     </p:spTree>
     <p:extLst>
       <p:ext uri="{BB962C8B-B14F-4D97-AF65-F5344CB8AC3E}">
-        <p14:creationId xmlns:p14="http://schemas.microsoft.com/office/powerpoint/2010/main" val="2871636929"/>
+        <p14:creationId xmlns:p14="http://schemas.microsoft.com/office/powerpoint/2010/main" val="3616835170"/>
       </p:ext>
     </p:extLst>
   </p:cSld>
@@ -2517,8 +2519,8 @@
         </p:nvSpPr>
         <p:spPr>
           <a:xfrm>
-            <a:off x="839788" y="161926"/>
-            <a:ext cx="8536439" cy="1325563"/>
+            <a:off x="381000" y="5555"/>
+            <a:ext cx="10151533" cy="1325563"/>
           </a:xfrm>
         </p:spPr>
         <p:txBody>
@@ -2539,17 +2541,17 @@
             <a:spLocks noGrp="1"/>
           </p:cNvSpPr>
           <p:nvPr>
-            <p:ph type="body" idx="1"/>
+            <p:ph type="body" idx="1" hasCustomPrompt="1"/>
           </p:nvPr>
         </p:nvSpPr>
         <p:spPr>
           <a:xfrm>
-            <a:off x="839788" y="1681163"/>
-            <a:ext cx="5157787" cy="823912"/>
+            <a:off x="381000" y="1444096"/>
+            <a:ext cx="5616575" cy="823912"/>
           </a:xfrm>
         </p:spPr>
         <p:txBody>
-          <a:bodyPr anchor="b"/>
+          <a:bodyPr anchor="ctr"/>
           <a:lstStyle>
             <a:lvl1pPr marL="0" indent="0">
               <a:buNone/>
@@ -2591,8 +2593,8 @@
           <a:p>
             <a:pPr lvl="0"/>
             <a:r>
-              <a:rPr lang="en-US"/>
-              <a:t>Edit Master text styles</a:t>
+              <a:rPr lang="en-US" dirty="0"/>
+              <a:t>Click to edit Master text styles</a:t>
             </a:r>
           </a:p>
         </p:txBody>
@@ -2609,8 +2611,8 @@
         </p:nvSpPr>
         <p:spPr>
           <a:xfrm>
-            <a:off x="839788" y="2505075"/>
-            <a:ext cx="5157787" cy="3684588"/>
+            <a:off x="381000" y="2268007"/>
+            <a:ext cx="5616575" cy="4014259"/>
           </a:xfrm>
         </p:spPr>
         <p:txBody>
@@ -2660,17 +2662,17 @@
             <a:spLocks noGrp="1"/>
           </p:cNvSpPr>
           <p:nvPr>
-            <p:ph type="body" sz="quarter" idx="3"/>
+            <p:ph type="body" sz="quarter" idx="3" hasCustomPrompt="1"/>
           </p:nvPr>
         </p:nvSpPr>
         <p:spPr>
           <a:xfrm>
-            <a:off x="6172200" y="1681163"/>
-            <a:ext cx="5183188" cy="823912"/>
+            <a:off x="6172200" y="1444096"/>
+            <a:ext cx="5638800" cy="823912"/>
           </a:xfrm>
         </p:spPr>
         <p:txBody>
-          <a:bodyPr anchor="b"/>
+          <a:bodyPr anchor="ctr"/>
           <a:lstStyle>
             <a:lvl1pPr marL="0" indent="0">
               <a:buNone/>
@@ -2712,8 +2714,8 @@
           <a:p>
             <a:pPr lvl="0"/>
             <a:r>
-              <a:rPr lang="en-US"/>
-              <a:t>Edit Master text styles</a:t>
+              <a:rPr lang="en-US" dirty="0"/>
+              <a:t>Click to edit Master text styles</a:t>
             </a:r>
           </a:p>
         </p:txBody>
@@ -2730,8 +2732,8 @@
         </p:nvSpPr>
         <p:spPr>
           <a:xfrm>
-            <a:off x="6172200" y="2505075"/>
-            <a:ext cx="5183188" cy="3684588"/>
+            <a:off x="6172199" y="2268007"/>
+            <a:ext cx="5616575" cy="4014259"/>
           </a:xfrm>
         </p:spPr>
         <p:txBody>
@@ -2847,7 +2849,7 @@
     </p:spTree>
     <p:extLst>
       <p:ext uri="{BB962C8B-B14F-4D97-AF65-F5344CB8AC3E}">
-        <p14:creationId xmlns:p14="http://schemas.microsoft.com/office/powerpoint/2010/main" val="3171972496"/>
+        <p14:creationId xmlns:p14="http://schemas.microsoft.com/office/powerpoint/2010/main" val="4148817071"/>
       </p:ext>
     </p:extLst>
   </p:cSld>
@@ -3006,7 +3008,7 @@
     </p:spTree>
     <p:extLst>
       <p:ext uri="{BB962C8B-B14F-4D97-AF65-F5344CB8AC3E}">
-        <p14:creationId xmlns:p14="http://schemas.microsoft.com/office/powerpoint/2010/main" val="2106302911"/>
+        <p14:creationId xmlns:p14="http://schemas.microsoft.com/office/powerpoint/2010/main" val="1633774546"/>
       </p:ext>
     </p:extLst>
   </p:cSld>
@@ -3106,7 +3108,7 @@
     </p:spTree>
     <p:extLst>
       <p:ext uri="{BB962C8B-B14F-4D97-AF65-F5344CB8AC3E}">
-        <p14:creationId xmlns:p14="http://schemas.microsoft.com/office/powerpoint/2010/main" val="2897777613"/>
+        <p14:creationId xmlns:p14="http://schemas.microsoft.com/office/powerpoint/2010/main" val="2210434790"/>
       </p:ext>
     </p:extLst>
   </p:cSld>
@@ -3386,7 +3388,7 @@
     </p:spTree>
     <p:extLst>
       <p:ext uri="{BB962C8B-B14F-4D97-AF65-F5344CB8AC3E}">
-        <p14:creationId xmlns:p14="http://schemas.microsoft.com/office/powerpoint/2010/main" val="1027690369"/>
+        <p14:creationId xmlns:p14="http://schemas.microsoft.com/office/powerpoint/2010/main" val="2538092014"/>
       </p:ext>
     </p:extLst>
   </p:cSld>
@@ -3563,8 +3565,8 @@
         </p:nvSpPr>
         <p:spPr>
           <a:xfrm>
-            <a:off x="406400" y="91440"/>
-            <a:ext cx="11393714" cy="1234123"/>
+            <a:off x="406400" y="6770"/>
+            <a:ext cx="10049933" cy="1234123"/>
           </a:xfrm>
           <a:prstGeom prst="rect">
             <a:avLst/>
@@ -3595,8 +3597,8 @@
         </p:nvSpPr>
         <p:spPr>
           <a:xfrm>
-            <a:off x="406400" y="1489166"/>
-            <a:ext cx="11393714" cy="4687797"/>
+            <a:off x="406400" y="1337187"/>
+            <a:ext cx="11393714" cy="5064803"/>
           </a:xfrm>
           <a:prstGeom prst="rect">
             <a:avLst/>
@@ -3804,27 +3806,70 @@
           </a:fontRef>
         </p:style>
       </p:cxnSp>
+      <p:pic>
+        <p:nvPicPr>
+          <p:cNvPr id="10" name="Picture 9" descr="A close up of a sign&#10;&#10;Description generated with very high confidence">
+            <a:extLst>
+              <a:ext uri="{FF2B5EF4-FFF2-40B4-BE49-F238E27FC236}">
+                <a16:creationId xmlns:a16="http://schemas.microsoft.com/office/drawing/2014/main" id="{6D9D6532-6138-406D-8115-7BAFD8D73FEB}"/>
+              </a:ext>
+            </a:extLst>
+          </p:cNvPr>
+          <p:cNvPicPr>
+            <a:picLocks noChangeAspect="1"/>
+          </p:cNvPicPr>
+          <p:nvPr/>
+        </p:nvPicPr>
+        <p:blipFill>
+          <a:blip r:embed="rId16">
+            <a:duotone>
+              <a:schemeClr val="bg2">
+                <a:shade val="45000"/>
+                <a:satMod val="135000"/>
+              </a:schemeClr>
+              <a:prstClr val="white"/>
+            </a:duotone>
+            <a:extLst>
+              <a:ext uri="{28A0092B-C50C-407E-A947-70E740481C1C}">
+                <a14:useLocalDpi xmlns:a14="http://schemas.microsoft.com/office/drawing/2010/main" val="0"/>
+              </a:ext>
+            </a:extLst>
+          </a:blip>
+          <a:stretch>
+            <a:fillRect/>
+          </a:stretch>
+        </p:blipFill>
+        <p:spPr>
+          <a:xfrm>
+            <a:off x="10634133" y="96294"/>
+            <a:ext cx="1165981" cy="1229580"/>
+          </a:xfrm>
+          <a:prstGeom prst="rect">
+            <a:avLst/>
+          </a:prstGeom>
+        </p:spPr>
+      </p:pic>
     </p:spTree>
     <p:extLst>
       <p:ext uri="{BB962C8B-B14F-4D97-AF65-F5344CB8AC3E}">
-        <p14:creationId xmlns:p14="http://schemas.microsoft.com/office/powerpoint/2010/main" val="1847959220"/>
+        <p14:creationId xmlns:p14="http://schemas.microsoft.com/office/powerpoint/2010/main" val="3802721228"/>
       </p:ext>
     </p:extLst>
   </p:cSld>
   <p:clrMap bg1="lt1" tx1="dk1" bg2="lt2" tx2="dk2" accent1="accent1" accent2="accent2" accent3="accent3" accent4="accent4" accent5="accent5" accent6="accent6" hlink="hlink" folHlink="folHlink"/>
   <p:sldLayoutIdLst>
-    <p:sldLayoutId id="2147483662" r:id="rId1"/>
-    <p:sldLayoutId id="2147483663" r:id="rId2"/>
-    <p:sldLayoutId id="2147483664" r:id="rId3"/>
-    <p:sldLayoutId id="2147483665" r:id="rId4"/>
-    <p:sldLayoutId id="2147483666" r:id="rId5"/>
-    <p:sldLayoutId id="2147483667" r:id="rId6"/>
-    <p:sldLayoutId id="2147483668" r:id="rId7"/>
-    <p:sldLayoutId id="2147483669" r:id="rId8"/>
-    <p:sldLayoutId id="2147483670" r:id="rId9"/>
-    <p:sldLayoutId id="2147483671" r:id="rId10"/>
-    <p:sldLayoutId id="2147483672" r:id="rId11"/>
-    <p:sldLayoutId id="2147483673" r:id="rId12"/>
+    <p:sldLayoutId id="2147483675" r:id="rId1"/>
+    <p:sldLayoutId id="2147483676" r:id="rId2"/>
+    <p:sldLayoutId id="2147483677" r:id="rId3"/>
+    <p:sldLayoutId id="2147483678" r:id="rId4"/>
+    <p:sldLayoutId id="2147483679" r:id="rId5"/>
+    <p:sldLayoutId id="2147483680" r:id="rId6"/>
+    <p:sldLayoutId id="2147483681" r:id="rId7"/>
+    <p:sldLayoutId id="2147483682" r:id="rId8"/>
+    <p:sldLayoutId id="2147483683" r:id="rId9"/>
+    <p:sldLayoutId id="2147483684" r:id="rId10"/>
+    <p:sldLayoutId id="2147483685" r:id="rId11"/>
+    <p:sldLayoutId id="2147483686" r:id="rId12"/>
   </p:sldLayoutIdLst>
   <p:hf hdr="0"/>
   <p:txStyles>
@@ -14896,7 +14941,7 @@
         </p:spPr>
         <p:txBody>
           <a:bodyPr>
-            <a:normAutofit fontScale="85000" lnSpcReduction="10000"/>
+            <a:normAutofit fontScale="92500" lnSpcReduction="10000"/>
           </a:bodyPr>
           <a:lstStyle/>
           <a:p>
@@ -14974,7 +15019,7 @@
         <p:spPr/>
         <p:txBody>
           <a:bodyPr>
-            <a:normAutofit fontScale="85000" lnSpcReduction="10000"/>
+            <a:normAutofit fontScale="92500" lnSpcReduction="10000"/>
           </a:bodyPr>
           <a:lstStyle/>
           <a:p>
@@ -15779,7 +15824,7 @@
         <p:spPr/>
         <p:txBody>
           <a:bodyPr>
-            <a:normAutofit fontScale="62500" lnSpcReduction="20000"/>
+            <a:normAutofit fontScale="70000" lnSpcReduction="20000"/>
           </a:bodyPr>
           <a:lstStyle/>
           <a:p>
@@ -15843,8 +15888,8 @@
           </a:p>
         </p:txBody>
       </p:sp>
-      <mc:AlternateContent xmlns:mc="http://schemas.openxmlformats.org/markup-compatibility/2006" xmlns:a14="http://schemas.microsoft.com/office/drawing/2010/main">
-        <mc:Choice Requires="a14">
+      <mc:AlternateContent xmlns:mc="http://schemas.openxmlformats.org/markup-compatibility/2006">
+        <mc:Choice xmlns:a14="http://schemas.microsoft.com/office/drawing/2010/main" Requires="a14">
           <p:sp>
             <p:nvSpPr>
               <p:cNvPr id="4" name="Content Placeholder 3">
@@ -15864,7 +15909,7 @@
             <p:spPr/>
             <p:txBody>
               <a:bodyPr>
-                <a:normAutofit fontScale="62500" lnSpcReduction="20000"/>
+                <a:normAutofit fontScale="70000" lnSpcReduction="20000"/>
               </a:bodyPr>
               <a:lstStyle/>
               <a:p>
@@ -16028,7 +16073,7 @@
             </p:txBody>
           </p:sp>
         </mc:Choice>
-        <mc:Fallback xmlns="">
+        <mc:Fallback>
           <p:sp>
             <p:nvSpPr>
               <p:cNvPr id="4" name="Content Placeholder 3">
@@ -16049,7 +16094,7 @@
               <a:blipFill>
                 <a:blip r:embed="rId2"/>
                 <a:stretch>
-                  <a:fillRect l="-1059" t="-2241" r="-588"/>
+                  <a:fillRect l="-1114" t="-2174" r="-668"/>
                 </a:stretch>
               </a:blipFill>
             </p:spPr>
@@ -17952,8 +17997,8 @@
         </p:nvSpPr>
         <p:spPr>
           <a:xfrm>
-            <a:off x="406400" y="1825625"/>
-            <a:ext cx="5345043" cy="4351338"/>
+            <a:off x="406401" y="1350236"/>
+            <a:ext cx="5165458" cy="4826727"/>
           </a:xfrm>
         </p:spPr>
         <p:txBody>
@@ -18011,33 +18056,38 @@
           </a:p>
         </p:txBody>
       </p:sp>
-      <p:sp>
-        <p:nvSpPr>
-          <p:cNvPr id="9" name="Content Placeholder 8">
+      <p:pic>
+        <p:nvPicPr>
+          <p:cNvPr id="4" name="Content Placeholder 3">
             <a:extLst>
               <a:ext uri="{FF2B5EF4-FFF2-40B4-BE49-F238E27FC236}">
-                <a16:creationId xmlns:a16="http://schemas.microsoft.com/office/drawing/2014/main" id="{81E93313-7D2D-47A7-AD3A-9253CB4DD0E0}"/>
+                <a16:creationId xmlns:a16="http://schemas.microsoft.com/office/drawing/2014/main" id="{0219203E-815A-436A-B572-65597279BED4}"/>
               </a:ext>
             </a:extLst>
           </p:cNvPr>
-          <p:cNvSpPr>
-            <a:spLocks noGrp="1"/>
-          </p:cNvSpPr>
+          <p:cNvPicPr>
+            <a:picLocks noGrp="1" noChangeAspect="1"/>
+          </p:cNvPicPr>
           <p:nvPr>
             <p:ph sz="half" idx="2"/>
           </p:nvPr>
-        </p:nvSpPr>
-        <p:spPr/>
-        <p:txBody>
-          <a:bodyPr>
-            <a:normAutofit/>
-          </a:bodyPr>
-          <a:lstStyle/>
-          <a:p>
-            <a:endParaRPr lang="en-US"/>
-          </a:p>
-        </p:txBody>
-      </p:sp>
+        </p:nvPicPr>
+        <p:blipFill>
+          <a:blip r:embed="rId5"/>
+          <a:stretch>
+            <a:fillRect/>
+          </a:stretch>
+        </p:blipFill>
+        <p:spPr>
+          <a:xfrm>
+            <a:off x="5759865" y="1419242"/>
+            <a:ext cx="5855635" cy="5012078"/>
+          </a:xfrm>
+          <a:prstGeom prst="rect">
+            <a:avLst/>
+          </a:prstGeom>
+        </p:spPr>
+      </p:pic>
       <p:sp>
         <p:nvSpPr>
           <p:cNvPr id="5" name="Date Placeholder 4"/>
@@ -19102,7 +19152,7 @@
   <a:extraClrSchemeLst/>
   <a:extLst>
     <a:ext uri="{05A4C25C-085E-4340-85A3-A5531E510DB2}">
-      <thm15:themeFamily xmlns:thm15="http://schemas.microsoft.com/office/thememl/2012/main" name="Lesson 12 - Data Analytics - GLMs" id="{2D671843-01B0-4809-83B7-DCD6022711AC}" vid="{631529AC-459A-4F8A-9050-54C0368E42C7}"/>
+      <thm15:themeFamily xmlns:thm15="http://schemas.microsoft.com/office/thememl/2012/main" name="Analytics_World" id="{0D0CA6F4-4249-491F-90A1-38D2E759BAFB}" vid="{73C02A8C-8EF0-4E7B-9EF2-CA7EFEB1E564}"/>
     </a:ext>
   </a:extLst>
 </a:theme>
